--- a/Les choupissons Powerpoint.pptx
+++ b/Les choupissons Powerpoint.pptx
@@ -5981,10 +5981,10 @@
       </p:pic>
       <p:pic>
         <p:nvPicPr>
-          <p:cNvPr id="7" name="Image 6">
+          <p:cNvPr id="3" name="Image 2">
             <a:extLst>
               <a:ext uri="{FF2B5EF4-FFF2-40B4-BE49-F238E27FC236}">
-                <a16:creationId xmlns:a16="http://schemas.microsoft.com/office/drawing/2014/main" id="{2F9F4245-2431-43C0-BCCB-2E5A6494EA8D}"/>
+                <a16:creationId xmlns:a16="http://schemas.microsoft.com/office/drawing/2014/main" id="{4346F00A-1CA4-4CD7-B5C1-F817CDF3A758}"/>
               </a:ext>
             </a:extLst>
           </p:cNvPr>
@@ -6001,8 +6001,8 @@
         </p:blipFill>
         <p:spPr>
           <a:xfrm>
-            <a:off x="787915" y="317500"/>
-            <a:ext cx="6449583" cy="6223000"/>
+            <a:off x="565727" y="334433"/>
+            <a:ext cx="6234546" cy="6189133"/>
           </a:xfrm>
           <a:prstGeom prst="rect">
             <a:avLst/>
